--- a/presentation/immo-eliza_analysis.pptx
+++ b/presentation/immo-eliza_analysis.pptx
@@ -5,7 +5,7 @@
     <p:sldMasterId id="2147483648" r:id="rId1"/>
   </p:sldMasterIdLst>
   <p:notesMasterIdLst>
-    <p:notesMasterId r:id="rId34"/>
+    <p:notesMasterId r:id="rId35"/>
   </p:notesMasterIdLst>
   <p:sldIdLst>
     <p:sldId id="256" r:id="rId6"/>
@@ -36,25 +36,26 @@
     <p:sldId id="281" r:id="rId31"/>
     <p:sldId id="282" r:id="rId32"/>
     <p:sldId id="283" r:id="rId33"/>
+    <p:sldId id="284" r:id="rId34"/>
   </p:sldIdLst>
   <p:sldSz cx="18288000" cy="10287000"/>
   <p:notesSz cx="6858000" cy="9144000"/>
   <p:embeddedFontLst>
     <p:embeddedFont>
       <p:font typeface="Glacial Indifference Bold Italics" charset="1" panose="00000800000000000000"/>
-      <p:regular r:id="rId37"/>
+      <p:regular r:id="rId38"/>
     </p:embeddedFont>
     <p:embeddedFont>
       <p:font typeface="Glacial Indifference" charset="1" panose="00000000000000000000"/>
-      <p:regular r:id="rId38"/>
+      <p:regular r:id="rId39"/>
     </p:embeddedFont>
     <p:embeddedFont>
       <p:font typeface="Glacial Indifference Bold" charset="1" panose="00000800000000000000"/>
-      <p:regular r:id="rId39"/>
+      <p:regular r:id="rId40"/>
     </p:embeddedFont>
     <p:embeddedFont>
       <p:font typeface="Glacial Indifference Italics" charset="1" panose="00000000000000000000"/>
-      <p:regular r:id="rId41"/>
+      <p:regular r:id="rId42"/>
     </p:embeddedFont>
   </p:embeddedFontLst>
   <p:defaultTextStyle>
@@ -7586,9 +7587,9 @@
           <p:nvPr/>
         </p:nvSpPr>
         <p:spPr>
-          <a:xfrm flipH="false" flipV="false" rot="0">
-            <a:off x="4399094" y="1932546"/>
-            <a:ext cx="9489811" cy="7682976"/>
+          <a:xfrm flipH="true" flipV="false" rot="0">
+            <a:off x="14247386" y="8575249"/>
+            <a:ext cx="4040614" cy="1711751"/>
           </a:xfrm>
           <a:custGeom>
             <a:avLst/>
@@ -7597,28 +7598,34 @@
             <a:cxnLst/>
             <a:rect r="r" b="b" t="t" l="l"/>
             <a:pathLst>
-              <a:path h="7682976" w="9489811">
+              <a:path h="1711751" w="4040614">
                 <a:moveTo>
-                  <a:pt x="0" y="0"/>
+                  <a:pt x="4040614" y="0"/>
                 </a:moveTo>
                 <a:lnTo>
-                  <a:pt x="9489812" y="0"/>
-                </a:lnTo>
-                <a:lnTo>
-                  <a:pt x="9489812" y="7682976"/>
-                </a:lnTo>
-                <a:lnTo>
-                  <a:pt x="0" y="7682976"/>
-                </a:lnTo>
-                <a:lnTo>
-                  <a:pt x="0" y="0"/>
+                  <a:pt x="0" y="0"/>
+                </a:lnTo>
+                <a:lnTo>
+                  <a:pt x="0" y="1711751"/>
+                </a:lnTo>
+                <a:lnTo>
+                  <a:pt x="4040614" y="1711751"/>
+                </a:lnTo>
+                <a:lnTo>
+                  <a:pt x="4040614" y="0"/>
                 </a:lnTo>
                 <a:close/>
               </a:path>
             </a:pathLst>
           </a:custGeom>
           <a:blipFill>
-            <a:blip r:embed="rId3"/>
+            <a:blip r:embed="rId3">
+              <a:extLst>
+                <a:ext uri="{96DAC541-7B7A-43D3-8B79-37D633B846F1}">
+                  <asvg:svgBlip xmlns:asvg="http://schemas.microsoft.com/office/drawing/2016/SVG/main" r:embed="rId4"/>
+                </a:ext>
+              </a:extLst>
+            </a:blip>
             <a:stretch>
               <a:fillRect l="0" t="0" r="0" b="0"/>
             </a:stretch>
@@ -7627,7 +7634,105 @@
       </p:sp>
       <p:sp>
         <p:nvSpPr>
-          <p:cNvPr name="TextBox 3" id="3"/>
+          <p:cNvPr name="Freeform 3" id="3"/>
+          <p:cNvSpPr/>
+          <p:nvPr/>
+        </p:nvSpPr>
+        <p:spPr>
+          <a:xfrm flipH="true" flipV="false" rot="-5400000">
+            <a:off x="-51118" y="8685979"/>
+            <a:ext cx="1662771" cy="1709391"/>
+          </a:xfrm>
+          <a:custGeom>
+            <a:avLst/>
+            <a:gdLst/>
+            <a:ahLst/>
+            <a:cxnLst/>
+            <a:rect r="r" b="b" t="t" l="l"/>
+            <a:pathLst>
+              <a:path h="1709391" w="1662771">
+                <a:moveTo>
+                  <a:pt x="1662771" y="0"/>
+                </a:moveTo>
+                <a:lnTo>
+                  <a:pt x="0" y="0"/>
+                </a:lnTo>
+                <a:lnTo>
+                  <a:pt x="0" y="1709392"/>
+                </a:lnTo>
+                <a:lnTo>
+                  <a:pt x="1662771" y="1709392"/>
+                </a:lnTo>
+                <a:lnTo>
+                  <a:pt x="1662771" y="0"/>
+                </a:lnTo>
+                <a:close/>
+              </a:path>
+            </a:pathLst>
+          </a:custGeom>
+          <a:blipFill>
+            <a:blip r:embed="rId5">
+              <a:extLst>
+                <a:ext uri="{96DAC541-7B7A-43D3-8B79-37D633B846F1}">
+                  <asvg:svgBlip xmlns:asvg="http://schemas.microsoft.com/office/drawing/2016/SVG/main" r:embed="rId6"/>
+                </a:ext>
+              </a:extLst>
+            </a:blip>
+            <a:stretch>
+              <a:fillRect l="0" t="0" r="0" b="0"/>
+            </a:stretch>
+          </a:blipFill>
+        </p:spPr>
+      </p:sp>
+      <p:sp>
+        <p:nvSpPr>
+          <p:cNvPr name="Freeform 4" id="4"/>
+          <p:cNvSpPr/>
+          <p:nvPr/>
+        </p:nvSpPr>
+        <p:spPr>
+          <a:xfrm flipH="false" flipV="false" rot="0">
+            <a:off x="4594158" y="2302420"/>
+            <a:ext cx="9099685" cy="7367129"/>
+          </a:xfrm>
+          <a:custGeom>
+            <a:avLst/>
+            <a:gdLst/>
+            <a:ahLst/>
+            <a:cxnLst/>
+            <a:rect r="r" b="b" t="t" l="l"/>
+            <a:pathLst>
+              <a:path h="7367129" w="9099685">
+                <a:moveTo>
+                  <a:pt x="0" y="0"/>
+                </a:moveTo>
+                <a:lnTo>
+                  <a:pt x="9099684" y="0"/>
+                </a:lnTo>
+                <a:lnTo>
+                  <a:pt x="9099684" y="7367129"/>
+                </a:lnTo>
+                <a:lnTo>
+                  <a:pt x="0" y="7367129"/>
+                </a:lnTo>
+                <a:lnTo>
+                  <a:pt x="0" y="0"/>
+                </a:lnTo>
+                <a:close/>
+              </a:path>
+            </a:pathLst>
+          </a:custGeom>
+          <a:blipFill>
+            <a:blip r:embed="rId7"/>
+            <a:stretch>
+              <a:fillRect l="0" t="0" r="0" b="0"/>
+            </a:stretch>
+          </a:blipFill>
+        </p:spPr>
+      </p:sp>
+      <p:sp>
+        <p:nvSpPr>
+          <p:cNvPr name="TextBox 5" id="5"/>
           <p:cNvSpPr txBox="true"/>
           <p:nvPr/>
         </p:nvSpPr>
@@ -7668,110 +7773,6 @@
             </a:r>
           </a:p>
         </p:txBody>
-      </p:sp>
-      <p:sp>
-        <p:nvSpPr>
-          <p:cNvPr name="Freeform 4" id="4"/>
-          <p:cNvSpPr/>
-          <p:nvPr/>
-        </p:nvSpPr>
-        <p:spPr>
-          <a:xfrm flipH="true" flipV="false" rot="0">
-            <a:off x="14247386" y="8575249"/>
-            <a:ext cx="4040614" cy="1711751"/>
-          </a:xfrm>
-          <a:custGeom>
-            <a:avLst/>
-            <a:gdLst/>
-            <a:ahLst/>
-            <a:cxnLst/>
-            <a:rect r="r" b="b" t="t" l="l"/>
-            <a:pathLst>
-              <a:path h="1711751" w="4040614">
-                <a:moveTo>
-                  <a:pt x="4040614" y="0"/>
-                </a:moveTo>
-                <a:lnTo>
-                  <a:pt x="0" y="0"/>
-                </a:lnTo>
-                <a:lnTo>
-                  <a:pt x="0" y="1711751"/>
-                </a:lnTo>
-                <a:lnTo>
-                  <a:pt x="4040614" y="1711751"/>
-                </a:lnTo>
-                <a:lnTo>
-                  <a:pt x="4040614" y="0"/>
-                </a:lnTo>
-                <a:close/>
-              </a:path>
-            </a:pathLst>
-          </a:custGeom>
-          <a:blipFill>
-            <a:blip r:embed="rId4">
-              <a:extLst>
-                <a:ext uri="{96DAC541-7B7A-43D3-8B79-37D633B846F1}">
-                  <asvg:svgBlip xmlns:asvg="http://schemas.microsoft.com/office/drawing/2016/SVG/main" r:embed="rId5"/>
-                </a:ext>
-              </a:extLst>
-            </a:blip>
-            <a:stretch>
-              <a:fillRect l="0" t="0" r="0" b="0"/>
-            </a:stretch>
-          </a:blipFill>
-        </p:spPr>
-      </p:sp>
-      <p:sp>
-        <p:nvSpPr>
-          <p:cNvPr name="Freeform 5" id="5"/>
-          <p:cNvSpPr/>
-          <p:nvPr/>
-        </p:nvSpPr>
-        <p:spPr>
-          <a:xfrm flipH="true" flipV="false" rot="-5400000">
-            <a:off x="-51118" y="8685979"/>
-            <a:ext cx="1662771" cy="1709391"/>
-          </a:xfrm>
-          <a:custGeom>
-            <a:avLst/>
-            <a:gdLst/>
-            <a:ahLst/>
-            <a:cxnLst/>
-            <a:rect r="r" b="b" t="t" l="l"/>
-            <a:pathLst>
-              <a:path h="1709391" w="1662771">
-                <a:moveTo>
-                  <a:pt x="1662771" y="0"/>
-                </a:moveTo>
-                <a:lnTo>
-                  <a:pt x="0" y="0"/>
-                </a:lnTo>
-                <a:lnTo>
-                  <a:pt x="0" y="1709392"/>
-                </a:lnTo>
-                <a:lnTo>
-                  <a:pt x="1662771" y="1709392"/>
-                </a:lnTo>
-                <a:lnTo>
-                  <a:pt x="1662771" y="0"/>
-                </a:lnTo>
-                <a:close/>
-              </a:path>
-            </a:pathLst>
-          </a:custGeom>
-          <a:blipFill>
-            <a:blip r:embed="rId6">
-              <a:extLst>
-                <a:ext uri="{96DAC541-7B7A-43D3-8B79-37D633B846F1}">
-                  <asvg:svgBlip xmlns:asvg="http://schemas.microsoft.com/office/drawing/2016/SVG/main" r:embed="rId7"/>
-                </a:ext>
-              </a:extLst>
-            </a:blip>
-            <a:stretch>
-              <a:fillRect l="0" t="0" r="0" b="0"/>
-            </a:stretch>
-          </a:blipFill>
-        </p:spPr>
       </p:sp>
     </p:spTree>
   </p:cSld>
@@ -8225,30 +8226,6 @@
       <p:sp>
         <p:nvSpPr>
           <p:cNvPr name="AutoShape 15" id="15"/>
-          <p:cNvSpPr/>
-          <p:nvPr/>
-        </p:nvSpPr>
-        <p:spPr>
-          <a:xfrm>
-            <a:off x="6050280" y="5295900"/>
-            <a:ext cx="6492240" cy="0"/>
-          </a:xfrm>
-          <a:prstGeom prst="line">
-            <a:avLst/>
-          </a:prstGeom>
-          <a:ln cap="flat" w="38100">
-            <a:solidFill>
-              <a:srgbClr val="FFFFFF"/>
-            </a:solidFill>
-            <a:prstDash val="solid"/>
-            <a:headEnd type="none" len="sm" w="sm"/>
-            <a:tailEnd type="none" len="sm" w="sm"/>
-          </a:ln>
-        </p:spPr>
-      </p:sp>
-      <p:sp>
-        <p:nvSpPr>
-          <p:cNvPr name="AutoShape 16" id="16"/>
           <p:cNvSpPr/>
           <p:nvPr/>
         </p:nvSpPr>
@@ -12786,7 +12763,7 @@
                 <a:cs typeface="Glacial Indifference"/>
                 <a:sym typeface="Glacial Indifference"/>
               </a:rPr>
-              <a:t>Ougree</a:t>
+              <a:t>Ougrée</a:t>
             </a:r>
           </a:p>
         </p:txBody>
@@ -12928,8 +12905,8 @@
         </p:nvSpPr>
         <p:spPr>
           <a:xfrm flipH="false" flipV="false" rot="0">
-            <a:off x="1028700" y="2473682"/>
-            <a:ext cx="7791382" cy="5567153"/>
+            <a:off x="8888828" y="2473682"/>
+            <a:ext cx="8370472" cy="5567153"/>
           </a:xfrm>
           <a:custGeom>
             <a:avLst/>
@@ -12938,15 +12915,15 @@
             <a:cxnLst/>
             <a:rect r="r" b="b" t="t" l="l"/>
             <a:pathLst>
-              <a:path h="5567153" w="7791382">
+              <a:path h="5567153" w="8370472">
                 <a:moveTo>
                   <a:pt x="0" y="0"/>
                 </a:moveTo>
                 <a:lnTo>
-                  <a:pt x="7791382" y="0"/>
-                </a:lnTo>
-                <a:lnTo>
-                  <a:pt x="7791382" y="5567153"/>
+                  <a:pt x="8370472" y="0"/>
+                </a:lnTo>
+                <a:lnTo>
+                  <a:pt x="8370472" y="5567153"/>
                 </a:lnTo>
                 <a:lnTo>
                   <a:pt x="0" y="5567153"/>
@@ -12974,8 +12951,8 @@
         </p:nvSpPr>
         <p:spPr>
           <a:xfrm flipH="false" flipV="false" rot="0">
-            <a:off x="8888828" y="2473682"/>
-            <a:ext cx="8370472" cy="5567153"/>
+            <a:off x="0" y="8571903"/>
+            <a:ext cx="4040614" cy="1711751"/>
           </a:xfrm>
           <a:custGeom>
             <a:avLst/>
@@ -12984,18 +12961,18 @@
             <a:cxnLst/>
             <a:rect r="r" b="b" t="t" l="l"/>
             <a:pathLst>
-              <a:path h="5567153" w="8370472">
+              <a:path h="1711751" w="4040614">
                 <a:moveTo>
                   <a:pt x="0" y="0"/>
                 </a:moveTo>
                 <a:lnTo>
-                  <a:pt x="8370472" y="0"/>
-                </a:lnTo>
-                <a:lnTo>
-                  <a:pt x="8370472" y="5567153"/>
-                </a:lnTo>
-                <a:lnTo>
-                  <a:pt x="0" y="5567153"/>
+                  <a:pt x="4040614" y="0"/>
+                </a:lnTo>
+                <a:lnTo>
+                  <a:pt x="4040614" y="1711751"/>
+                </a:lnTo>
+                <a:lnTo>
+                  <a:pt x="0" y="1711751"/>
                 </a:lnTo>
                 <a:lnTo>
                   <a:pt x="0" y="0"/>
@@ -13005,7 +12982,13 @@
             </a:pathLst>
           </a:custGeom>
           <a:blipFill>
-            <a:blip r:embed="rId5"/>
+            <a:blip r:embed="rId5">
+              <a:extLst>
+                <a:ext uri="{96DAC541-7B7A-43D3-8B79-37D633B846F1}">
+                  <asvg:svgBlip xmlns:asvg="http://schemas.microsoft.com/office/drawing/2016/SVG/main" r:embed="rId6"/>
+                </a:ext>
+              </a:extLst>
+            </a:blip>
             <a:stretch>
               <a:fillRect l="0" t="0" r="0" b="0"/>
             </a:stretch>
@@ -13014,7 +12997,53 @@
       </p:sp>
       <p:sp>
         <p:nvSpPr>
-          <p:cNvPr name="TextBox 5" id="5"/>
+          <p:cNvPr name="Freeform 5" id="5"/>
+          <p:cNvSpPr/>
+          <p:nvPr/>
+        </p:nvSpPr>
+        <p:spPr>
+          <a:xfrm flipH="false" flipV="false" rot="0">
+            <a:off x="1028700" y="2473682"/>
+            <a:ext cx="7791382" cy="5567153"/>
+          </a:xfrm>
+          <a:custGeom>
+            <a:avLst/>
+            <a:gdLst/>
+            <a:ahLst/>
+            <a:cxnLst/>
+            <a:rect r="r" b="b" t="t" l="l"/>
+            <a:pathLst>
+              <a:path h="5567153" w="7791382">
+                <a:moveTo>
+                  <a:pt x="0" y="0"/>
+                </a:moveTo>
+                <a:lnTo>
+                  <a:pt x="7791382" y="0"/>
+                </a:lnTo>
+                <a:lnTo>
+                  <a:pt x="7791382" y="5567153"/>
+                </a:lnTo>
+                <a:lnTo>
+                  <a:pt x="0" y="5567153"/>
+                </a:lnTo>
+                <a:lnTo>
+                  <a:pt x="0" y="0"/>
+                </a:lnTo>
+                <a:close/>
+              </a:path>
+            </a:pathLst>
+          </a:custGeom>
+          <a:blipFill>
+            <a:blip r:embed="rId7"/>
+            <a:stretch>
+              <a:fillRect l="0" t="0" r="0" b="0"/>
+            </a:stretch>
+          </a:blipFill>
+        </p:spPr>
+      </p:sp>
+      <p:sp>
+        <p:nvSpPr>
+          <p:cNvPr name="TextBox 6" id="6"/>
           <p:cNvSpPr txBox="true"/>
           <p:nvPr/>
         </p:nvSpPr>
@@ -13091,58 +13120,6 @@
             </a:r>
           </a:p>
         </p:txBody>
-      </p:sp>
-      <p:sp>
-        <p:nvSpPr>
-          <p:cNvPr name="Freeform 6" id="6"/>
-          <p:cNvSpPr/>
-          <p:nvPr/>
-        </p:nvSpPr>
-        <p:spPr>
-          <a:xfrm flipH="false" flipV="false" rot="0">
-            <a:off x="0" y="8571903"/>
-            <a:ext cx="4040614" cy="1711751"/>
-          </a:xfrm>
-          <a:custGeom>
-            <a:avLst/>
-            <a:gdLst/>
-            <a:ahLst/>
-            <a:cxnLst/>
-            <a:rect r="r" b="b" t="t" l="l"/>
-            <a:pathLst>
-              <a:path h="1711751" w="4040614">
-                <a:moveTo>
-                  <a:pt x="0" y="0"/>
-                </a:moveTo>
-                <a:lnTo>
-                  <a:pt x="4040614" y="0"/>
-                </a:lnTo>
-                <a:lnTo>
-                  <a:pt x="4040614" y="1711751"/>
-                </a:lnTo>
-                <a:lnTo>
-                  <a:pt x="0" y="1711751"/>
-                </a:lnTo>
-                <a:lnTo>
-                  <a:pt x="0" y="0"/>
-                </a:lnTo>
-                <a:close/>
-              </a:path>
-            </a:pathLst>
-          </a:custGeom>
-          <a:blipFill>
-            <a:blip r:embed="rId6">
-              <a:extLst>
-                <a:ext uri="{96DAC541-7B7A-43D3-8B79-37D633B846F1}">
-                  <asvg:svgBlip xmlns:asvg="http://schemas.microsoft.com/office/drawing/2016/SVG/main" r:embed="rId7"/>
-                </a:ext>
-              </a:extLst>
-            </a:blip>
-            <a:stretch>
-              <a:fillRect l="0" t="0" r="0" b="0"/>
-            </a:stretch>
-          </a:blipFill>
-        </p:spPr>
       </p:sp>
     </p:spTree>
   </p:cSld>
@@ -13229,8 +13206,8 @@
         </p:nvSpPr>
         <p:spPr>
           <a:xfrm flipH="false" flipV="false" rot="0">
-            <a:off x="1028700" y="2817872"/>
-            <a:ext cx="7778221" cy="5567153"/>
+            <a:off x="8994117" y="2817872"/>
+            <a:ext cx="8265183" cy="5567153"/>
           </a:xfrm>
           <a:custGeom>
             <a:avLst/>
@@ -13239,15 +13216,15 @@
             <a:cxnLst/>
             <a:rect r="r" b="b" t="t" l="l"/>
             <a:pathLst>
-              <a:path h="5567153" w="7778221">
+              <a:path h="5567153" w="8265183">
                 <a:moveTo>
                   <a:pt x="0" y="0"/>
                 </a:moveTo>
                 <a:lnTo>
-                  <a:pt x="7778221" y="0"/>
-                </a:lnTo>
-                <a:lnTo>
-                  <a:pt x="7778221" y="5567153"/>
+                  <a:pt x="8265183" y="0"/>
+                </a:lnTo>
+                <a:lnTo>
+                  <a:pt x="8265183" y="5567153"/>
                 </a:lnTo>
                 <a:lnTo>
                   <a:pt x="0" y="5567153"/>
@@ -13275,8 +13252,8 @@
         </p:nvSpPr>
         <p:spPr>
           <a:xfrm flipH="false" flipV="false" rot="0">
-            <a:off x="8994117" y="2817872"/>
-            <a:ext cx="8265183" cy="5567153"/>
+            <a:off x="0" y="8570849"/>
+            <a:ext cx="4040614" cy="1711751"/>
           </a:xfrm>
           <a:custGeom>
             <a:avLst/>
@@ -13285,18 +13262,18 @@
             <a:cxnLst/>
             <a:rect r="r" b="b" t="t" l="l"/>
             <a:pathLst>
-              <a:path h="5567153" w="8265183">
+              <a:path h="1711751" w="4040614">
                 <a:moveTo>
                   <a:pt x="0" y="0"/>
                 </a:moveTo>
                 <a:lnTo>
-                  <a:pt x="8265183" y="0"/>
-                </a:lnTo>
-                <a:lnTo>
-                  <a:pt x="8265183" y="5567153"/>
-                </a:lnTo>
-                <a:lnTo>
-                  <a:pt x="0" y="5567153"/>
+                  <a:pt x="4040614" y="0"/>
+                </a:lnTo>
+                <a:lnTo>
+                  <a:pt x="4040614" y="1711751"/>
+                </a:lnTo>
+                <a:lnTo>
+                  <a:pt x="0" y="1711751"/>
                 </a:lnTo>
                 <a:lnTo>
                   <a:pt x="0" y="0"/>
@@ -13306,7 +13283,13 @@
             </a:pathLst>
           </a:custGeom>
           <a:blipFill>
-            <a:blip r:embed="rId5"/>
+            <a:blip r:embed="rId5">
+              <a:extLst>
+                <a:ext uri="{96DAC541-7B7A-43D3-8B79-37D633B846F1}">
+                  <asvg:svgBlip xmlns:asvg="http://schemas.microsoft.com/office/drawing/2016/SVG/main" r:embed="rId6"/>
+                </a:ext>
+              </a:extLst>
+            </a:blip>
             <a:stretch>
               <a:fillRect l="0" t="0" r="0" b="0"/>
             </a:stretch>
@@ -13315,7 +13298,53 @@
       </p:sp>
       <p:sp>
         <p:nvSpPr>
-          <p:cNvPr name="TextBox 5" id="5"/>
+          <p:cNvPr name="Freeform 5" id="5"/>
+          <p:cNvSpPr/>
+          <p:nvPr/>
+        </p:nvSpPr>
+        <p:spPr>
+          <a:xfrm flipH="false" flipV="false" rot="0">
+            <a:off x="452551" y="2817872"/>
+            <a:ext cx="8541566" cy="5567153"/>
+          </a:xfrm>
+          <a:custGeom>
+            <a:avLst/>
+            <a:gdLst/>
+            <a:ahLst/>
+            <a:cxnLst/>
+            <a:rect r="r" b="b" t="t" l="l"/>
+            <a:pathLst>
+              <a:path h="5567153" w="8541566">
+                <a:moveTo>
+                  <a:pt x="0" y="0"/>
+                </a:moveTo>
+                <a:lnTo>
+                  <a:pt x="8541566" y="0"/>
+                </a:lnTo>
+                <a:lnTo>
+                  <a:pt x="8541566" y="5567153"/>
+                </a:lnTo>
+                <a:lnTo>
+                  <a:pt x="0" y="5567153"/>
+                </a:lnTo>
+                <a:lnTo>
+                  <a:pt x="0" y="0"/>
+                </a:lnTo>
+                <a:close/>
+              </a:path>
+            </a:pathLst>
+          </a:custGeom>
+          <a:blipFill>
+            <a:blip r:embed="rId7"/>
+            <a:stretch>
+              <a:fillRect l="0" t="0" r="0" b="0"/>
+            </a:stretch>
+          </a:blipFill>
+        </p:spPr>
+      </p:sp>
+      <p:sp>
+        <p:nvSpPr>
+          <p:cNvPr name="TextBox 6" id="6"/>
           <p:cNvSpPr txBox="true"/>
           <p:nvPr/>
         </p:nvSpPr>
@@ -13392,58 +13421,6 @@
             </a:r>
           </a:p>
         </p:txBody>
-      </p:sp>
-      <p:sp>
-        <p:nvSpPr>
-          <p:cNvPr name="Freeform 6" id="6"/>
-          <p:cNvSpPr/>
-          <p:nvPr/>
-        </p:nvSpPr>
-        <p:spPr>
-          <a:xfrm flipH="false" flipV="false" rot="0">
-            <a:off x="0" y="8570849"/>
-            <a:ext cx="4040614" cy="1711751"/>
-          </a:xfrm>
-          <a:custGeom>
-            <a:avLst/>
-            <a:gdLst/>
-            <a:ahLst/>
-            <a:cxnLst/>
-            <a:rect r="r" b="b" t="t" l="l"/>
-            <a:pathLst>
-              <a:path h="1711751" w="4040614">
-                <a:moveTo>
-                  <a:pt x="0" y="0"/>
-                </a:moveTo>
-                <a:lnTo>
-                  <a:pt x="4040614" y="0"/>
-                </a:lnTo>
-                <a:lnTo>
-                  <a:pt x="4040614" y="1711751"/>
-                </a:lnTo>
-                <a:lnTo>
-                  <a:pt x="0" y="1711751"/>
-                </a:lnTo>
-                <a:lnTo>
-                  <a:pt x="0" y="0"/>
-                </a:lnTo>
-                <a:close/>
-              </a:path>
-            </a:pathLst>
-          </a:custGeom>
-          <a:blipFill>
-            <a:blip r:embed="rId6">
-              <a:extLst>
-                <a:ext uri="{96DAC541-7B7A-43D3-8B79-37D633B846F1}">
-                  <asvg:svgBlip xmlns:asvg="http://schemas.microsoft.com/office/drawing/2016/SVG/main" r:embed="rId7"/>
-                </a:ext>
-              </a:extLst>
-            </a:blip>
-            <a:stretch>
-              <a:fillRect l="0" t="0" r="0" b="0"/>
-            </a:stretch>
-          </a:blipFill>
-        </p:spPr>
       </p:sp>
     </p:spTree>
   </p:cSld>
@@ -13755,6 +13732,176 @@
 </file>
 
 <file path=ppt/slides/slide28.xml><?xml version="1.0" encoding="utf-8"?>
+<p:sld xmlns:p="http://schemas.openxmlformats.org/presentationml/2006/main" xmlns:a="http://schemas.openxmlformats.org/drawingml/2006/main" xmlns:r="http://schemas.openxmlformats.org/officeDocument/2006/relationships">
+  <p:cSld>
+    <p:spTree>
+      <p:nvGrpSpPr>
+        <p:cNvPr id="1" name=""/>
+        <p:cNvGrpSpPr/>
+        <p:nvPr/>
+      </p:nvGrpSpPr>
+      <p:grpSpPr>
+        <a:xfrm>
+          <a:off x="0" y="0"/>
+          <a:ext cx="0" cy="0"/>
+          <a:chOff x="0" y="0"/>
+          <a:chExt cx="0" cy="0"/>
+        </a:xfrm>
+      </p:grpSpPr>
+      <p:sp>
+        <p:nvSpPr>
+          <p:cNvPr name="Freeform 2" id="2"/>
+          <p:cNvSpPr/>
+          <p:nvPr/>
+        </p:nvSpPr>
+        <p:spPr>
+          <a:xfrm flipH="false" flipV="false" rot="0">
+            <a:off x="0" y="0"/>
+            <a:ext cx="13066628" cy="10287000"/>
+          </a:xfrm>
+          <a:custGeom>
+            <a:avLst/>
+            <a:gdLst/>
+            <a:ahLst/>
+            <a:cxnLst/>
+            <a:rect r="r" b="b" t="t" l="l"/>
+            <a:pathLst>
+              <a:path h="10287000" w="13066628">
+                <a:moveTo>
+                  <a:pt x="0" y="0"/>
+                </a:moveTo>
+                <a:lnTo>
+                  <a:pt x="13066628" y="0"/>
+                </a:lnTo>
+                <a:lnTo>
+                  <a:pt x="13066628" y="10287000"/>
+                </a:lnTo>
+                <a:lnTo>
+                  <a:pt x="0" y="10287000"/>
+                </a:lnTo>
+                <a:lnTo>
+                  <a:pt x="0" y="0"/>
+                </a:lnTo>
+                <a:close/>
+              </a:path>
+            </a:pathLst>
+          </a:custGeom>
+          <a:blipFill>
+            <a:blip r:embed="rId2">
+              <a:extLst>
+                <a:ext uri="{96DAC541-7B7A-43D3-8B79-37D633B846F1}">
+                  <asvg:svgBlip xmlns:asvg="http://schemas.microsoft.com/office/drawing/2016/SVG/main" r:embed="rId3"/>
+                </a:ext>
+              </a:extLst>
+            </a:blip>
+            <a:stretch>
+              <a:fillRect l="0" t="0" r="0" b="0"/>
+            </a:stretch>
+          </a:blipFill>
+        </p:spPr>
+      </p:sp>
+      <p:sp>
+        <p:nvSpPr>
+          <p:cNvPr name="TextBox 3" id="3"/>
+          <p:cNvSpPr txBox="true"/>
+          <p:nvPr/>
+        </p:nvSpPr>
+        <p:spPr>
+          <a:xfrm rot="0">
+            <a:off x="7365506" y="3298825"/>
+            <a:ext cx="8019581" cy="3489326"/>
+          </a:xfrm>
+          <a:prstGeom prst="rect">
+            <a:avLst/>
+          </a:prstGeom>
+        </p:spPr>
+        <p:txBody>
+          <a:bodyPr anchor="t" rtlCol="false" tIns="0" lIns="0" bIns="0" rIns="0">
+            <a:spAutoFit/>
+          </a:bodyPr>
+          <a:lstStyle/>
+          <a:p>
+            <a:pPr algn="l" marL="0" indent="0" lvl="0">
+              <a:lnSpc>
+                <a:spcPts val="13999"/>
+              </a:lnSpc>
+            </a:pPr>
+            <a:r>
+              <a:rPr lang="en-US" b="true" sz="9999" i="true">
+                <a:solidFill>
+                  <a:srgbClr val="2D3880"/>
+                </a:solidFill>
+                <a:latin typeface="Glacial Indifference Bold Italics"/>
+                <a:ea typeface="Glacial Indifference Bold Italics"/>
+                <a:cs typeface="Glacial Indifference Bold Italics"/>
+                <a:sym typeface="Glacial Indifference Bold Italics"/>
+              </a:rPr>
+              <a:t>Questions or comments?</a:t>
+            </a:r>
+          </a:p>
+        </p:txBody>
+      </p:sp>
+      <p:sp>
+        <p:nvSpPr>
+          <p:cNvPr name="Freeform 4" id="4"/>
+          <p:cNvSpPr/>
+          <p:nvPr/>
+        </p:nvSpPr>
+        <p:spPr>
+          <a:xfrm flipH="false" flipV="false" rot="0">
+            <a:off x="15989565" y="4622165"/>
+            <a:ext cx="1042670" cy="1042670"/>
+          </a:xfrm>
+          <a:custGeom>
+            <a:avLst/>
+            <a:gdLst/>
+            <a:ahLst/>
+            <a:cxnLst/>
+            <a:rect r="r" b="b" t="t" l="l"/>
+            <a:pathLst>
+              <a:path h="1042670" w="1042670">
+                <a:moveTo>
+                  <a:pt x="0" y="0"/>
+                </a:moveTo>
+                <a:lnTo>
+                  <a:pt x="1042670" y="0"/>
+                </a:lnTo>
+                <a:lnTo>
+                  <a:pt x="1042670" y="1042670"/>
+                </a:lnTo>
+                <a:lnTo>
+                  <a:pt x="0" y="1042670"/>
+                </a:lnTo>
+                <a:lnTo>
+                  <a:pt x="0" y="0"/>
+                </a:lnTo>
+                <a:close/>
+              </a:path>
+            </a:pathLst>
+          </a:custGeom>
+          <a:blipFill>
+            <a:blip r:embed="rId4">
+              <a:extLst>
+                <a:ext uri="{96DAC541-7B7A-43D3-8B79-37D633B846F1}">
+                  <asvg:svgBlip xmlns:asvg="http://schemas.microsoft.com/office/drawing/2016/SVG/main" r:embed="rId5"/>
+                </a:ext>
+              </a:extLst>
+            </a:blip>
+            <a:stretch>
+              <a:fillRect l="0" t="0" r="0" b="0"/>
+            </a:stretch>
+          </a:blipFill>
+        </p:spPr>
+      </p:sp>
+    </p:spTree>
+  </p:cSld>
+  <p:clrMapOvr>
+    <a:masterClrMapping/>
+  </p:clrMapOvr>
+</p:sld>
+</file>
+
+<file path=ppt/slides/slide29.xml><?xml version="1.0" encoding="utf-8"?>
 <p:sld xmlns:p="http://schemas.openxmlformats.org/presentationml/2006/main" xmlns:a="http://schemas.openxmlformats.org/drawingml/2006/main" xmlns:r="http://schemas.openxmlformats.org/officeDocument/2006/relationships">
   <p:cSld>
     <p:spTree>

--- a/presentation/immo-eliza_analysis.pptx
+++ b/presentation/immo-eliza_analysis.pptx
@@ -9269,7 +9269,19 @@
                 <a:cs typeface="Glacial Indifference Italics"/>
                 <a:sym typeface="Glacial Indifference Italics"/>
               </a:rPr>
-              <a:t>Most &amp; Least Important Features</a:t>
+              <a:t>Most &amp; Least </a:t>
+            </a:r>
+            <a:r>
+              <a:rPr lang="en-US" sz="5200" i="true" strike="noStrike" u="none">
+                <a:solidFill>
+                  <a:srgbClr val="2D3880"/>
+                </a:solidFill>
+                <a:latin typeface="Glacial Indifference Italics"/>
+                <a:ea typeface="Glacial Indifference Italics"/>
+                <a:cs typeface="Glacial Indifference Italics"/>
+                <a:sym typeface="Glacial Indifference Italics"/>
+              </a:rPr>
+              <a:t>Important Features</a:t>
             </a:r>
           </a:p>
         </p:txBody>
@@ -9387,290 +9399,14 @@
         <p:grpSpPr>
           <a:xfrm rot="0">
             <a:off x="11362032" y="6139221"/>
-            <a:ext cx="3585570" cy="2599231"/>
+            <a:ext cx="3585570" cy="2682089"/>
             <a:chOff x="0" y="0"/>
-            <a:chExt cx="4780759" cy="3465642"/>
+            <a:chExt cx="4780759" cy="3576119"/>
           </a:xfrm>
         </p:grpSpPr>
-        <p:grpSp>
-          <p:nvGrpSpPr>
-            <p:cNvPr name="Group 24" id="24"/>
-            <p:cNvGrpSpPr>
-              <a:grpSpLocks noChangeAspect="true"/>
-            </p:cNvGrpSpPr>
-            <p:nvPr/>
-          </p:nvGrpSpPr>
-          <p:grpSpPr>
-            <a:xfrm rot="-5400000">
-              <a:off x="170220" y="2195309"/>
-              <a:ext cx="558966" cy="558966"/>
-              <a:chOff x="0" y="0"/>
-              <a:chExt cx="1708150" cy="1708150"/>
-            </a:xfrm>
-          </p:grpSpPr>
-          <p:sp>
-            <p:nvSpPr>
-              <p:cNvPr name="Freeform 25" id="25"/>
-              <p:cNvSpPr/>
-              <p:nvPr/>
-            </p:nvSpPr>
-            <p:spPr>
-              <a:xfrm flipH="false" flipV="false" rot="0">
-                <a:off x="0" y="0"/>
-                <a:ext cx="1708150" cy="1708150"/>
-              </a:xfrm>
-              <a:custGeom>
-                <a:avLst/>
-                <a:gdLst/>
-                <a:ahLst/>
-                <a:cxnLst/>
-                <a:rect r="r" b="b" t="t" l="l"/>
-                <a:pathLst>
-                  <a:path h="1708150" w="1708150">
-                    <a:moveTo>
-                      <a:pt x="853440" y="1708150"/>
-                    </a:moveTo>
-                    <a:cubicBezTo>
-                      <a:pt x="383540" y="1708150"/>
-                      <a:pt x="0" y="1324610"/>
-                      <a:pt x="0" y="853440"/>
-                    </a:cubicBezTo>
-                    <a:cubicBezTo>
-                      <a:pt x="0" y="383540"/>
-                      <a:pt x="383540" y="0"/>
-                      <a:pt x="853440" y="0"/>
-                    </a:cubicBezTo>
-                    <a:cubicBezTo>
-                      <a:pt x="1324610" y="0"/>
-                      <a:pt x="1706880" y="383540"/>
-                      <a:pt x="1706880" y="853440"/>
-                    </a:cubicBezTo>
-                    <a:cubicBezTo>
-                      <a:pt x="1708150" y="1324610"/>
-                      <a:pt x="1324610" y="1708150"/>
-                      <a:pt x="853440" y="1708150"/>
-                    </a:cubicBezTo>
-                    <a:close/>
-                    <a:moveTo>
-                      <a:pt x="853440" y="469900"/>
-                    </a:moveTo>
-                    <a:cubicBezTo>
-                      <a:pt x="642620" y="469900"/>
-                      <a:pt x="469900" y="642620"/>
-                      <a:pt x="469900" y="853440"/>
-                    </a:cubicBezTo>
-                    <a:cubicBezTo>
-                      <a:pt x="469900" y="1064260"/>
-                      <a:pt x="642620" y="1236980"/>
-                      <a:pt x="853440" y="1236980"/>
-                    </a:cubicBezTo>
-                    <a:cubicBezTo>
-                      <a:pt x="1064260" y="1236980"/>
-                      <a:pt x="1236980" y="1064260"/>
-                      <a:pt x="1236980" y="853440"/>
-                    </a:cubicBezTo>
-                    <a:cubicBezTo>
-                      <a:pt x="1236980" y="642620"/>
-                      <a:pt x="1065530" y="469900"/>
-                      <a:pt x="853440" y="469900"/>
-                    </a:cubicBezTo>
-                    <a:close/>
-                  </a:path>
-                </a:pathLst>
-              </a:custGeom>
-              <a:solidFill>
-                <a:srgbClr val="CBCBEB"/>
-              </a:solidFill>
-            </p:spPr>
-          </p:sp>
-        </p:grpSp>
-        <p:grpSp>
-          <p:nvGrpSpPr>
-            <p:cNvPr name="Group 26" id="26"/>
-            <p:cNvGrpSpPr>
-              <a:grpSpLocks noChangeAspect="true"/>
-            </p:cNvGrpSpPr>
-            <p:nvPr/>
-          </p:nvGrpSpPr>
-          <p:grpSpPr>
-            <a:xfrm rot="-5400000">
-              <a:off x="170220" y="1478875"/>
-              <a:ext cx="558966" cy="558966"/>
-              <a:chOff x="0" y="0"/>
-              <a:chExt cx="1708150" cy="1708150"/>
-            </a:xfrm>
-          </p:grpSpPr>
-          <p:sp>
-            <p:nvSpPr>
-              <p:cNvPr name="Freeform 27" id="27"/>
-              <p:cNvSpPr/>
-              <p:nvPr/>
-            </p:nvSpPr>
-            <p:spPr>
-              <a:xfrm flipH="false" flipV="false" rot="0">
-                <a:off x="0" y="0"/>
-                <a:ext cx="1708150" cy="1708150"/>
-              </a:xfrm>
-              <a:custGeom>
-                <a:avLst/>
-                <a:gdLst/>
-                <a:ahLst/>
-                <a:cxnLst/>
-                <a:rect r="r" b="b" t="t" l="l"/>
-                <a:pathLst>
-                  <a:path h="1708150" w="1708150">
-                    <a:moveTo>
-                      <a:pt x="853440" y="1708150"/>
-                    </a:moveTo>
-                    <a:cubicBezTo>
-                      <a:pt x="383540" y="1708150"/>
-                      <a:pt x="0" y="1324610"/>
-                      <a:pt x="0" y="853440"/>
-                    </a:cubicBezTo>
-                    <a:cubicBezTo>
-                      <a:pt x="0" y="383540"/>
-                      <a:pt x="383540" y="0"/>
-                      <a:pt x="853440" y="0"/>
-                    </a:cubicBezTo>
-                    <a:cubicBezTo>
-                      <a:pt x="1324610" y="0"/>
-                      <a:pt x="1706880" y="383540"/>
-                      <a:pt x="1706880" y="853440"/>
-                    </a:cubicBezTo>
-                    <a:cubicBezTo>
-                      <a:pt x="1708150" y="1324610"/>
-                      <a:pt x="1324610" y="1708150"/>
-                      <a:pt x="853440" y="1708150"/>
-                    </a:cubicBezTo>
-                    <a:close/>
-                    <a:moveTo>
-                      <a:pt x="853440" y="469900"/>
-                    </a:moveTo>
-                    <a:cubicBezTo>
-                      <a:pt x="642620" y="469900"/>
-                      <a:pt x="469900" y="642620"/>
-                      <a:pt x="469900" y="853440"/>
-                    </a:cubicBezTo>
-                    <a:cubicBezTo>
-                      <a:pt x="469900" y="1064260"/>
-                      <a:pt x="642620" y="1236980"/>
-                      <a:pt x="853440" y="1236980"/>
-                    </a:cubicBezTo>
-                    <a:cubicBezTo>
-                      <a:pt x="1064260" y="1236980"/>
-                      <a:pt x="1236980" y="1064260"/>
-                      <a:pt x="1236980" y="853440"/>
-                    </a:cubicBezTo>
-                    <a:cubicBezTo>
-                      <a:pt x="1236980" y="642620"/>
-                      <a:pt x="1065530" y="469900"/>
-                      <a:pt x="853440" y="469900"/>
-                    </a:cubicBezTo>
-                    <a:close/>
-                  </a:path>
-                </a:pathLst>
-              </a:custGeom>
-              <a:solidFill>
-                <a:srgbClr val="CBCBEB"/>
-              </a:solidFill>
-            </p:spPr>
-          </p:sp>
-        </p:grpSp>
-        <p:grpSp>
-          <p:nvGrpSpPr>
-            <p:cNvPr name="Group 28" id="28"/>
-            <p:cNvGrpSpPr>
-              <a:grpSpLocks noChangeAspect="true"/>
-            </p:cNvGrpSpPr>
-            <p:nvPr/>
-          </p:nvGrpSpPr>
-          <p:grpSpPr>
-            <a:xfrm rot="-5400000">
-              <a:off x="170220" y="762390"/>
-              <a:ext cx="558966" cy="558966"/>
-              <a:chOff x="0" y="0"/>
-              <a:chExt cx="1708150" cy="1708150"/>
-            </a:xfrm>
-          </p:grpSpPr>
-          <p:sp>
-            <p:nvSpPr>
-              <p:cNvPr name="Freeform 29" id="29"/>
-              <p:cNvSpPr/>
-              <p:nvPr/>
-            </p:nvSpPr>
-            <p:spPr>
-              <a:xfrm flipH="false" flipV="false" rot="0">
-                <a:off x="0" y="0"/>
-                <a:ext cx="1708150" cy="1708150"/>
-              </a:xfrm>
-              <a:custGeom>
-                <a:avLst/>
-                <a:gdLst/>
-                <a:ahLst/>
-                <a:cxnLst/>
-                <a:rect r="r" b="b" t="t" l="l"/>
-                <a:pathLst>
-                  <a:path h="1708150" w="1708150">
-                    <a:moveTo>
-                      <a:pt x="853440" y="1708150"/>
-                    </a:moveTo>
-                    <a:cubicBezTo>
-                      <a:pt x="383540" y="1708150"/>
-                      <a:pt x="0" y="1324610"/>
-                      <a:pt x="0" y="853440"/>
-                    </a:cubicBezTo>
-                    <a:cubicBezTo>
-                      <a:pt x="0" y="383540"/>
-                      <a:pt x="383540" y="0"/>
-                      <a:pt x="853440" y="0"/>
-                    </a:cubicBezTo>
-                    <a:cubicBezTo>
-                      <a:pt x="1324610" y="0"/>
-                      <a:pt x="1706880" y="383540"/>
-                      <a:pt x="1706880" y="853440"/>
-                    </a:cubicBezTo>
-                    <a:cubicBezTo>
-                      <a:pt x="1708150" y="1324610"/>
-                      <a:pt x="1324610" y="1708150"/>
-                      <a:pt x="853440" y="1708150"/>
-                    </a:cubicBezTo>
-                    <a:close/>
-                    <a:moveTo>
-                      <a:pt x="853440" y="469900"/>
-                    </a:moveTo>
-                    <a:cubicBezTo>
-                      <a:pt x="642620" y="469900"/>
-                      <a:pt x="469900" y="642620"/>
-                      <a:pt x="469900" y="853440"/>
-                    </a:cubicBezTo>
-                    <a:cubicBezTo>
-                      <a:pt x="469900" y="1064260"/>
-                      <a:pt x="642620" y="1236980"/>
-                      <a:pt x="853440" y="1236980"/>
-                    </a:cubicBezTo>
-                    <a:cubicBezTo>
-                      <a:pt x="1064260" y="1236980"/>
-                      <a:pt x="1236980" y="1064260"/>
-                      <a:pt x="1236980" y="853440"/>
-                    </a:cubicBezTo>
-                    <a:cubicBezTo>
-                      <a:pt x="1236980" y="642620"/>
-                      <a:pt x="1065530" y="469900"/>
-                      <a:pt x="853440" y="469900"/>
-                    </a:cubicBezTo>
-                    <a:close/>
-                  </a:path>
-                </a:pathLst>
-              </a:custGeom>
-              <a:solidFill>
-                <a:srgbClr val="CBCBEB"/>
-              </a:solidFill>
-            </p:spPr>
-          </p:sp>
-        </p:grpSp>
         <p:sp>
           <p:nvSpPr>
-            <p:cNvPr name="TextBox 30" id="30"/>
+            <p:cNvPr name="TextBox 24" id="24"/>
             <p:cNvSpPr txBox="true"/>
             <p:nvPr/>
           </p:nvSpPr>
@@ -9714,7 +9450,7 @@
         </p:sp>
         <p:sp>
           <p:nvSpPr>
-            <p:cNvPr name="TextBox 31" id="31"/>
+            <p:cNvPr name="TextBox 25" id="25"/>
             <p:cNvSpPr txBox="true"/>
             <p:nvPr/>
           </p:nvSpPr>
@@ -9758,7 +9494,7 @@
         </p:sp>
         <p:sp>
           <p:nvSpPr>
-            <p:cNvPr name="TextBox 32" id="32"/>
+            <p:cNvPr name="TextBox 26" id="26"/>
             <p:cNvSpPr txBox="true"/>
             <p:nvPr/>
           </p:nvSpPr>
@@ -9802,7 +9538,7 @@
         </p:sp>
         <p:sp>
           <p:nvSpPr>
-            <p:cNvPr name="TextBox 33" id="33"/>
+            <p:cNvPr name="TextBox 27" id="27"/>
             <p:cNvSpPr txBox="true"/>
             <p:nvPr/>
           </p:nvSpPr>
@@ -9844,101 +9580,9 @@
             </a:p>
           </p:txBody>
         </p:sp>
-        <p:grpSp>
-          <p:nvGrpSpPr>
-            <p:cNvPr name="Group 34" id="34"/>
-            <p:cNvGrpSpPr>
-              <a:grpSpLocks noChangeAspect="true"/>
-            </p:cNvGrpSpPr>
-            <p:nvPr/>
-          </p:nvGrpSpPr>
-          <p:grpSpPr>
-            <a:xfrm rot="-5400000">
-              <a:off x="170220" y="2906675"/>
-              <a:ext cx="558966" cy="558966"/>
-              <a:chOff x="0" y="0"/>
-              <a:chExt cx="1708150" cy="1708150"/>
-            </a:xfrm>
-          </p:grpSpPr>
-          <p:sp>
-            <p:nvSpPr>
-              <p:cNvPr name="Freeform 35" id="35"/>
-              <p:cNvSpPr/>
-              <p:nvPr/>
-            </p:nvSpPr>
-            <p:spPr>
-              <a:xfrm flipH="false" flipV="false" rot="0">
-                <a:off x="0" y="0"/>
-                <a:ext cx="1708150" cy="1708150"/>
-              </a:xfrm>
-              <a:custGeom>
-                <a:avLst/>
-                <a:gdLst/>
-                <a:ahLst/>
-                <a:cxnLst/>
-                <a:rect r="r" b="b" t="t" l="l"/>
-                <a:pathLst>
-                  <a:path h="1708150" w="1708150">
-                    <a:moveTo>
-                      <a:pt x="853440" y="1708150"/>
-                    </a:moveTo>
-                    <a:cubicBezTo>
-                      <a:pt x="383540" y="1708150"/>
-                      <a:pt x="0" y="1324610"/>
-                      <a:pt x="0" y="853440"/>
-                    </a:cubicBezTo>
-                    <a:cubicBezTo>
-                      <a:pt x="0" y="383540"/>
-                      <a:pt x="383540" y="0"/>
-                      <a:pt x="853440" y="0"/>
-                    </a:cubicBezTo>
-                    <a:cubicBezTo>
-                      <a:pt x="1324610" y="0"/>
-                      <a:pt x="1706880" y="383540"/>
-                      <a:pt x="1706880" y="853440"/>
-                    </a:cubicBezTo>
-                    <a:cubicBezTo>
-                      <a:pt x="1708150" y="1324610"/>
-                      <a:pt x="1324610" y="1708150"/>
-                      <a:pt x="853440" y="1708150"/>
-                    </a:cubicBezTo>
-                    <a:close/>
-                    <a:moveTo>
-                      <a:pt x="853440" y="469900"/>
-                    </a:moveTo>
-                    <a:cubicBezTo>
-                      <a:pt x="642620" y="469900"/>
-                      <a:pt x="469900" y="642620"/>
-                      <a:pt x="469900" y="853440"/>
-                    </a:cubicBezTo>
-                    <a:cubicBezTo>
-                      <a:pt x="469900" y="1064260"/>
-                      <a:pt x="642620" y="1236980"/>
-                      <a:pt x="853440" y="1236980"/>
-                    </a:cubicBezTo>
-                    <a:cubicBezTo>
-                      <a:pt x="1064260" y="1236980"/>
-                      <a:pt x="1236980" y="1064260"/>
-                      <a:pt x="1236980" y="853440"/>
-                    </a:cubicBezTo>
-                    <a:cubicBezTo>
-                      <a:pt x="1236980" y="642620"/>
-                      <a:pt x="1065530" y="469900"/>
-                      <a:pt x="853440" y="469900"/>
-                    </a:cubicBezTo>
-                    <a:close/>
-                  </a:path>
-                </a:pathLst>
-              </a:custGeom>
-              <a:solidFill>
-                <a:srgbClr val="CBCBEB"/>
-              </a:solidFill>
-            </p:spPr>
-          </p:sp>
-        </p:grpSp>
         <p:sp>
           <p:nvSpPr>
-            <p:cNvPr name="TextBox 36" id="36"/>
+            <p:cNvPr name="TextBox 28" id="28"/>
             <p:cNvSpPr txBox="true"/>
             <p:nvPr/>
           </p:nvSpPr>
@@ -9980,6 +9624,214 @@
             </a:p>
           </p:txBody>
         </p:sp>
+        <p:sp>
+          <p:nvSpPr>
+            <p:cNvPr name="Freeform 29" id="29"/>
+            <p:cNvSpPr/>
+            <p:nvPr/>
+          </p:nvSpPr>
+          <p:spPr>
+            <a:xfrm flipH="false" flipV="false" rot="-2700000">
+              <a:off x="114217" y="779018"/>
+              <a:ext cx="551487" cy="551487"/>
+            </a:xfrm>
+            <a:custGeom>
+              <a:avLst/>
+              <a:gdLst/>
+              <a:ahLst/>
+              <a:cxnLst/>
+              <a:rect r="r" b="b" t="t" l="l"/>
+              <a:pathLst>
+                <a:path h="551487" w="551487">
+                  <a:moveTo>
+                    <a:pt x="0" y="0"/>
+                  </a:moveTo>
+                  <a:lnTo>
+                    <a:pt x="551487" y="0"/>
+                  </a:lnTo>
+                  <a:lnTo>
+                    <a:pt x="551487" y="551487"/>
+                  </a:lnTo>
+                  <a:lnTo>
+                    <a:pt x="0" y="551487"/>
+                  </a:lnTo>
+                  <a:lnTo>
+                    <a:pt x="0" y="0"/>
+                  </a:lnTo>
+                  <a:close/>
+                </a:path>
+              </a:pathLst>
+            </a:custGeom>
+            <a:blipFill>
+              <a:blip r:embed="rId8">
+                <a:extLst>
+                  <a:ext uri="{96DAC541-7B7A-43D3-8B79-37D633B846F1}">
+                    <asvg:svgBlip xmlns:asvg="http://schemas.microsoft.com/office/drawing/2016/SVG/main" r:embed="rId9"/>
+                  </a:ext>
+                </a:extLst>
+              </a:blip>
+              <a:stretch>
+                <a:fillRect l="0" t="0" r="0" b="0"/>
+              </a:stretch>
+            </a:blipFill>
+          </p:spPr>
+        </p:sp>
+        <p:sp>
+          <p:nvSpPr>
+            <p:cNvPr name="Freeform 30" id="30"/>
+            <p:cNvSpPr/>
+            <p:nvPr/>
+          </p:nvSpPr>
+          <p:spPr>
+            <a:xfrm flipH="false" flipV="false" rot="-2700000">
+              <a:off x="114217" y="1444608"/>
+              <a:ext cx="551487" cy="551487"/>
+            </a:xfrm>
+            <a:custGeom>
+              <a:avLst/>
+              <a:gdLst/>
+              <a:ahLst/>
+              <a:cxnLst/>
+              <a:rect r="r" b="b" t="t" l="l"/>
+              <a:pathLst>
+                <a:path h="551487" w="551487">
+                  <a:moveTo>
+                    <a:pt x="0" y="0"/>
+                  </a:moveTo>
+                  <a:lnTo>
+                    <a:pt x="551487" y="0"/>
+                  </a:lnTo>
+                  <a:lnTo>
+                    <a:pt x="551487" y="551487"/>
+                  </a:lnTo>
+                  <a:lnTo>
+                    <a:pt x="0" y="551487"/>
+                  </a:lnTo>
+                  <a:lnTo>
+                    <a:pt x="0" y="0"/>
+                  </a:lnTo>
+                  <a:close/>
+                </a:path>
+              </a:pathLst>
+            </a:custGeom>
+            <a:blipFill>
+              <a:blip r:embed="rId8">
+                <a:extLst>
+                  <a:ext uri="{96DAC541-7B7A-43D3-8B79-37D633B846F1}">
+                    <asvg:svgBlip xmlns:asvg="http://schemas.microsoft.com/office/drawing/2016/SVG/main" r:embed="rId9"/>
+                  </a:ext>
+                </a:extLst>
+              </a:blip>
+              <a:stretch>
+                <a:fillRect l="0" t="0" r="0" b="0"/>
+              </a:stretch>
+            </a:blipFill>
+          </p:spPr>
+        </p:sp>
+        <p:sp>
+          <p:nvSpPr>
+            <p:cNvPr name="Freeform 31" id="31"/>
+            <p:cNvSpPr/>
+            <p:nvPr/>
+          </p:nvSpPr>
+          <p:spPr>
+            <a:xfrm flipH="false" flipV="false" rot="-2700000">
+              <a:off x="114217" y="2196563"/>
+              <a:ext cx="551487" cy="551487"/>
+            </a:xfrm>
+            <a:custGeom>
+              <a:avLst/>
+              <a:gdLst/>
+              <a:ahLst/>
+              <a:cxnLst/>
+              <a:rect r="r" b="b" t="t" l="l"/>
+              <a:pathLst>
+                <a:path h="551487" w="551487">
+                  <a:moveTo>
+                    <a:pt x="0" y="0"/>
+                  </a:moveTo>
+                  <a:lnTo>
+                    <a:pt x="551487" y="0"/>
+                  </a:lnTo>
+                  <a:lnTo>
+                    <a:pt x="551487" y="551487"/>
+                  </a:lnTo>
+                  <a:lnTo>
+                    <a:pt x="0" y="551487"/>
+                  </a:lnTo>
+                  <a:lnTo>
+                    <a:pt x="0" y="0"/>
+                  </a:lnTo>
+                  <a:close/>
+                </a:path>
+              </a:pathLst>
+            </a:custGeom>
+            <a:blipFill>
+              <a:blip r:embed="rId8">
+                <a:extLst>
+                  <a:ext uri="{96DAC541-7B7A-43D3-8B79-37D633B846F1}">
+                    <asvg:svgBlip xmlns:asvg="http://schemas.microsoft.com/office/drawing/2016/SVG/main" r:embed="rId9"/>
+                  </a:ext>
+                </a:extLst>
+              </a:blip>
+              <a:stretch>
+                <a:fillRect l="0" t="0" r="0" b="0"/>
+              </a:stretch>
+            </a:blipFill>
+          </p:spPr>
+        </p:sp>
+        <p:sp>
+          <p:nvSpPr>
+            <p:cNvPr name="Freeform 32" id="32"/>
+            <p:cNvSpPr/>
+            <p:nvPr/>
+          </p:nvSpPr>
+          <p:spPr>
+            <a:xfrm flipH="false" flipV="false" rot="-2700000">
+              <a:off x="114217" y="2910415"/>
+              <a:ext cx="551487" cy="551487"/>
+            </a:xfrm>
+            <a:custGeom>
+              <a:avLst/>
+              <a:gdLst/>
+              <a:ahLst/>
+              <a:cxnLst/>
+              <a:rect r="r" b="b" t="t" l="l"/>
+              <a:pathLst>
+                <a:path h="551487" w="551487">
+                  <a:moveTo>
+                    <a:pt x="0" y="0"/>
+                  </a:moveTo>
+                  <a:lnTo>
+                    <a:pt x="551487" y="0"/>
+                  </a:lnTo>
+                  <a:lnTo>
+                    <a:pt x="551487" y="551487"/>
+                  </a:lnTo>
+                  <a:lnTo>
+                    <a:pt x="0" y="551487"/>
+                  </a:lnTo>
+                  <a:lnTo>
+                    <a:pt x="0" y="0"/>
+                  </a:lnTo>
+                  <a:close/>
+                </a:path>
+              </a:pathLst>
+            </a:custGeom>
+            <a:blipFill>
+              <a:blip r:embed="rId8">
+                <a:extLst>
+                  <a:ext uri="{96DAC541-7B7A-43D3-8B79-37D633B846F1}">
+                    <asvg:svgBlip xmlns:asvg="http://schemas.microsoft.com/office/drawing/2016/SVG/main" r:embed="rId9"/>
+                  </a:ext>
+                </a:extLst>
+              </a:blip>
+              <a:stretch>
+                <a:fillRect l="0" t="0" r="0" b="0"/>
+              </a:stretch>
+            </a:blipFill>
+          </p:spPr>
+        </p:sp>
       </p:grpSp>
     </p:spTree>
   </p:cSld>
@@ -10211,7 +10063,7 @@
         <p:spPr>
           <a:xfrm rot="0">
             <a:off x="297356" y="696364"/>
-            <a:ext cx="17693288" cy="887167"/>
+            <a:ext cx="17693288" cy="887067"/>
           </a:xfrm>
           <a:prstGeom prst="rect">
             <a:avLst/>
@@ -10231,6 +10083,18 @@
                 <a:spcPct val="0"/>
               </a:spcBef>
             </a:pPr>
+            <a:r>
+              <a:rPr lang="en-US" b="true" sz="5200" i="true" strike="noStrike" u="none">
+                <a:solidFill>
+                  <a:srgbClr val="2D3880"/>
+                </a:solidFill>
+                <a:latin typeface="Glacial Indifference Bold Italics"/>
+                <a:ea typeface="Glacial Indifference Bold Italics"/>
+                <a:cs typeface="Glacial Indifference Bold Italics"/>
+                <a:sym typeface="Glacial Indifference Bold Italics"/>
+              </a:rPr>
+              <a:t>Mean property prices</a:t>
+            </a:r>
             <a:r>
               <a:rPr lang="en-US" sz="5200" i="true" strike="noStrike" u="none">
                 <a:solidFill>
@@ -10241,7 +10105,7 @@
                 <a:cs typeface="Glacial Indifference Italics"/>
                 <a:sym typeface="Glacial Indifference Italics"/>
               </a:rPr>
-              <a:t>Mean property prices in different Belgian provinces </a:t>
+              <a:t> in different Belgian provinces </a:t>
             </a:r>
           </a:p>
         </p:txBody>
@@ -10497,6 +10361,18 @@
               </a:spcBef>
             </a:pPr>
             <a:r>
+              <a:rPr lang="en-US" b="true" sz="5200" i="true" strike="noStrike" u="none">
+                <a:solidFill>
+                  <a:srgbClr val="2D3880"/>
+                </a:solidFill>
+                <a:latin typeface="Glacial Indifference Bold Italics"/>
+                <a:ea typeface="Glacial Indifference Bold Italics"/>
+                <a:cs typeface="Glacial Indifference Bold Italics"/>
+                <a:sym typeface="Glacial Indifference Bold Italics"/>
+              </a:rPr>
+              <a:t>Mean sqm prices</a:t>
+            </a:r>
+            <a:r>
               <a:rPr lang="en-US" sz="5200" i="true" strike="noStrike" u="none">
                 <a:solidFill>
                   <a:srgbClr val="2D3880"/>
@@ -10506,7 +10382,7 @@
                 <a:cs typeface="Glacial Indifference Italics"/>
                 <a:sym typeface="Glacial Indifference Italics"/>
               </a:rPr>
-              <a:t>Mean sqm prices in different Belgian provinces </a:t>
+              <a:t> in different Belgian provinces </a:t>
             </a:r>
           </a:p>
         </p:txBody>
@@ -14417,8 +14293,8 @@
         </p:nvSpPr>
         <p:spPr>
           <a:xfrm rot="0">
-            <a:off x="2318241" y="2202452"/>
-            <a:ext cx="13651518" cy="5595620"/>
+            <a:off x="2318241" y="2113553"/>
+            <a:ext cx="13651518" cy="5136840"/>
           </a:xfrm>
           <a:prstGeom prst="rect">
             <a:avLst/>
@@ -14432,7 +14308,7 @@
           <a:p>
             <a:pPr algn="l" marL="690881" indent="-345440" lvl="1">
               <a:lnSpc>
-                <a:spcPts val="4480"/>
+                <a:spcPts val="5920"/>
               </a:lnSpc>
               <a:buFont typeface="Arial"/>
               <a:buChar char="•"/>
@@ -14453,7 +14329,7 @@
           <a:p>
             <a:pPr algn="l" marL="690881" indent="-345440" lvl="1">
               <a:lnSpc>
-                <a:spcPts val="4480"/>
+                <a:spcPts val="5920"/>
               </a:lnSpc>
               <a:buFont typeface="Arial"/>
               <a:buChar char="•"/>
@@ -14474,7 +14350,7 @@
           <a:p>
             <a:pPr algn="l" marL="690881" indent="-345440" lvl="1">
               <a:lnSpc>
-                <a:spcPts val="4480"/>
+                <a:spcPts val="5920"/>
               </a:lnSpc>
               <a:buFont typeface="Arial"/>
               <a:buChar char="•"/>
@@ -14495,7 +14371,7 @@
           <a:p>
             <a:pPr algn="l" marL="690881" indent="-345440" lvl="1">
               <a:lnSpc>
-                <a:spcPts val="4480"/>
+                <a:spcPts val="5920"/>
               </a:lnSpc>
               <a:buFont typeface="Arial"/>
               <a:buChar char="•"/>
@@ -14516,7 +14392,7 @@
           <a:p>
             <a:pPr algn="l" marL="690881" indent="-345440" lvl="1">
               <a:lnSpc>
-                <a:spcPts val="4480"/>
+                <a:spcPts val="5920"/>
               </a:lnSpc>
               <a:buFont typeface="Arial"/>
               <a:buChar char="•"/>
@@ -14533,30 +14409,6 @@
               </a:rPr>
               <a:t>Building condition had 6690 values missing, without sure way to fill it we introduced ‘no info’, ‘to restore’, ‘to renovate’, ‘good’</a:t>
             </a:r>
-          </a:p>
-          <a:p>
-            <a:pPr algn="l">
-              <a:lnSpc>
-                <a:spcPts val="4480"/>
-              </a:lnSpc>
-            </a:pPr>
-          </a:p>
-          <a:p>
-            <a:pPr algn="l">
-              <a:lnSpc>
-                <a:spcPts val="4480"/>
-              </a:lnSpc>
-            </a:pPr>
-          </a:p>
-          <a:p>
-            <a:pPr algn="l">
-              <a:lnSpc>
-                <a:spcPts val="4480"/>
-              </a:lnSpc>
-              <a:spcBef>
-                <a:spcPct val="0"/>
-              </a:spcBef>
-            </a:pPr>
           </a:p>
         </p:txBody>
       </p:sp>
@@ -14741,8 +14593,8 @@
         </p:nvSpPr>
         <p:spPr>
           <a:xfrm rot="0">
-            <a:off x="2851772" y="2609030"/>
-            <a:ext cx="13132088" cy="5424170"/>
+            <a:off x="2851772" y="2504255"/>
+            <a:ext cx="14107850" cy="5787869"/>
           </a:xfrm>
           <a:prstGeom prst="rect">
             <a:avLst/>
@@ -14756,7 +14608,7 @@
           <a:p>
             <a:pPr algn="l">
               <a:lnSpc>
-                <a:spcPts val="4480"/>
+                <a:spcPts val="5568"/>
               </a:lnSpc>
             </a:pPr>
             <a:r>
@@ -14775,8 +14627,17 @@
           <a:p>
             <a:pPr algn="l">
               <a:lnSpc>
-                <a:spcPts val="4480"/>
+                <a:spcPts val="1739"/>
               </a:lnSpc>
+            </a:pPr>
+          </a:p>
+          <a:p>
+            <a:pPr algn="l" marL="690881" indent="-345440" lvl="1">
+              <a:lnSpc>
+                <a:spcPts val="5568"/>
+              </a:lnSpc>
+              <a:buFont typeface="Arial"/>
+              <a:buChar char="•"/>
             </a:pPr>
             <a:r>
               <a:rPr lang="en-US" sz="3200">
@@ -14788,15 +14649,8 @@
                 <a:cs typeface="Glacial Indifference"/>
                 <a:sym typeface="Glacial Indifference"/>
               </a:rPr>
-              <a:t>first step: eliminate ‘units’, e.g. apartment unit -&gt; apartment</a:t>
-            </a:r>
-          </a:p>
-          <a:p>
-            <a:pPr algn="l">
-              <a:lnSpc>
-                <a:spcPts val="4480"/>
-              </a:lnSpc>
-            </a:pPr>
+              <a:t>F</a:t>
+            </a:r>
             <a:r>
               <a:rPr lang="en-US" sz="3200">
                 <a:solidFill>
@@ -14807,16 +14661,56 @@
                 <a:cs typeface="Glacial Indifference"/>
                 <a:sym typeface="Glacial Indifference"/>
               </a:rPr>
-              <a:t>second step: create 5 large categories </a:t>
-            </a:r>
-          </a:p>
-          <a:p>
-            <a:pPr algn="l" marL="647702" indent="-323851" lvl="1">
+              <a:t>irst step: eliminate ‘units’, e.g. apartment unit -&gt; apartment</a:t>
+            </a:r>
+          </a:p>
+          <a:p>
+            <a:pPr algn="l">
               <a:lnSpc>
-                <a:spcPts val="4200"/>
+                <a:spcPts val="1739"/>
+              </a:lnSpc>
+            </a:pPr>
+          </a:p>
+          <a:p>
+            <a:pPr algn="l" marL="690881" indent="-345440" lvl="1">
+              <a:lnSpc>
+                <a:spcPts val="5568"/>
               </a:lnSpc>
               <a:buFont typeface="Arial"/>
               <a:buChar char="•"/>
+            </a:pPr>
+            <a:r>
+              <a:rPr lang="en-US" sz="3200">
+                <a:solidFill>
+                  <a:srgbClr val="2D3880"/>
+                </a:solidFill>
+                <a:latin typeface="Glacial Indifference"/>
+                <a:ea typeface="Glacial Indifference"/>
+                <a:cs typeface="Glacial Indifference"/>
+                <a:sym typeface="Glacial Indifference"/>
+              </a:rPr>
+              <a:t>S</a:t>
+            </a:r>
+            <a:r>
+              <a:rPr lang="en-US" sz="3200">
+                <a:solidFill>
+                  <a:srgbClr val="2D3880"/>
+                </a:solidFill>
+                <a:latin typeface="Glacial Indifference"/>
+                <a:ea typeface="Glacial Indifference"/>
+                <a:cs typeface="Glacial Indifference"/>
+                <a:sym typeface="Glacial Indifference"/>
+              </a:rPr>
+              <a:t>econd step: create 5 large categories </a:t>
+            </a:r>
+          </a:p>
+          <a:p>
+            <a:pPr algn="l" marL="1295403" indent="-431801" lvl="2">
+              <a:lnSpc>
+                <a:spcPts val="5220"/>
+              </a:lnSpc>
+              <a:buFont typeface="Arial"/>
+              <a:buChar char="⚬"/>
             </a:pPr>
             <a:r>
               <a:rPr lang="en-US" sz="3000">
@@ -14832,12 +14726,12 @@
             </a:r>
           </a:p>
           <a:p>
-            <a:pPr algn="l" marL="647702" indent="-323851" lvl="1">
+            <a:pPr algn="l" marL="1295403" indent="-431801" lvl="2">
               <a:lnSpc>
-                <a:spcPts val="4200"/>
+                <a:spcPts val="5220"/>
               </a:lnSpc>
               <a:buFont typeface="Arial"/>
-              <a:buChar char="•"/>
+              <a:buChar char="⚬"/>
             </a:pPr>
             <a:r>
               <a:rPr lang="en-US" sz="3000">
@@ -14853,12 +14747,12 @@
             </a:r>
           </a:p>
           <a:p>
-            <a:pPr algn="l" marL="647702" indent="-323851" lvl="1">
+            <a:pPr algn="l" marL="1295403" indent="-431801" lvl="2">
               <a:lnSpc>
-                <a:spcPts val="4200"/>
+                <a:spcPts val="5220"/>
               </a:lnSpc>
               <a:buFont typeface="Arial"/>
-              <a:buChar char="•"/>
+              <a:buChar char="⚬"/>
             </a:pPr>
             <a:r>
               <a:rPr lang="en-US" sz="3000">
@@ -14874,12 +14768,12 @@
             </a:r>
           </a:p>
           <a:p>
-            <a:pPr algn="l" marL="647702" indent="-323851" lvl="1">
+            <a:pPr algn="l" marL="1295403" indent="-431801" lvl="2">
               <a:lnSpc>
-                <a:spcPts val="4200"/>
+                <a:spcPts val="5220"/>
               </a:lnSpc>
               <a:buFont typeface="Arial"/>
-              <a:buChar char="•"/>
+              <a:buChar char="⚬"/>
             </a:pPr>
             <a:r>
               <a:rPr lang="en-US" sz="3000">
@@ -14895,12 +14789,12 @@
             </a:r>
           </a:p>
           <a:p>
-            <a:pPr algn="l" marL="647702" indent="-323851" lvl="1">
+            <a:pPr algn="l" marL="1295403" indent="-431801" lvl="2">
               <a:lnSpc>
-                <a:spcPts val="4200"/>
+                <a:spcPts val="5220"/>
               </a:lnSpc>
               <a:buFont typeface="Arial"/>
-              <a:buChar char="•"/>
+              <a:buChar char="⚬"/>
             </a:pPr>
             <a:r>
               <a:rPr lang="en-US" sz="3000">
@@ -14914,16 +14808,6 @@
               </a:rPr>
               <a:t>5 (Other): 'other property', 'mixed use building', 'service flat', 'apartment block'</a:t>
             </a:r>
-          </a:p>
-          <a:p>
-            <a:pPr algn="l">
-              <a:lnSpc>
-                <a:spcPts val="4480"/>
-              </a:lnSpc>
-              <a:spcBef>
-                <a:spcPct val="0"/>
-              </a:spcBef>
-            </a:pPr>
           </a:p>
         </p:txBody>
       </p:sp>
@@ -14960,7 +14844,7 @@
         </p:nvSpPr>
         <p:spPr>
           <a:xfrm flipH="false" flipV="false" rot="0">
-            <a:off x="0" y="2348866"/>
+            <a:off x="497087" y="2348634"/>
             <a:ext cx="8146990" cy="5936577"/>
           </a:xfrm>
           <a:custGeom>
@@ -14975,10 +14859,10 @@
                   <a:pt x="0" y="0"/>
                 </a:moveTo>
                 <a:lnTo>
-                  <a:pt x="8146990" y="0"/>
-                </a:lnTo>
-                <a:lnTo>
-                  <a:pt x="8146990" y="5936576"/>
+                  <a:pt x="8146989" y="0"/>
+                </a:lnTo>
+                <a:lnTo>
+                  <a:pt x="8146989" y="5936576"/>
                 </a:lnTo>
                 <a:lnTo>
                   <a:pt x="0" y="5936576"/>
@@ -15006,7 +14890,7 @@
         </p:nvSpPr>
         <p:spPr>
           <a:xfrm flipH="false" flipV="false" rot="0">
-            <a:off x="11430000" y="2175212"/>
+            <a:off x="10929580" y="2175212"/>
             <a:ext cx="6061117" cy="5936577"/>
           </a:xfrm>
           <a:custGeom>
@@ -15052,7 +14936,7 @@
         </p:nvSpPr>
         <p:spPr>
           <a:xfrm rot="0">
-            <a:off x="7358420" y="895350"/>
+            <a:off x="7358420" y="703000"/>
             <a:ext cx="3571160" cy="1226766"/>
           </a:xfrm>
           <a:prstGeom prst="rect">
@@ -15200,8 +15084,8 @@
         </p:nvSpPr>
         <p:spPr>
           <a:xfrm rot="0">
-            <a:off x="5663177" y="8218767"/>
-            <a:ext cx="7517137" cy="1590675"/>
+            <a:off x="3848146" y="8637404"/>
+            <a:ext cx="10591709" cy="1057306"/>
           </a:xfrm>
           <a:prstGeom prst="rect">
             <a:avLst/>
@@ -15217,6 +15101,9 @@
               <a:lnSpc>
                 <a:spcPts val="4200"/>
               </a:lnSpc>
+              <a:spcBef>
+                <a:spcPct val="0"/>
+              </a:spcBef>
             </a:pPr>
             <a:r>
               <a:rPr lang="en-US" sz="3000">
@@ -15228,29 +15115,7 @@
                 <a:cs typeface="Glacial Indifference"/>
                 <a:sym typeface="Glacial Indifference"/>
               </a:rPr>
-              <a:t>There’s a very clear maximum of value density</a:t>
-            </a:r>
-          </a:p>
-          <a:p>
-            <a:pPr algn="l">
-              <a:lnSpc>
-                <a:spcPts val="4200"/>
-              </a:lnSpc>
-              <a:spcBef>
-                <a:spcPct val="0"/>
-              </a:spcBef>
-            </a:pPr>
-            <a:r>
-              <a:rPr lang="en-US" sz="3000">
-                <a:solidFill>
-                  <a:srgbClr val="2D3880"/>
-                </a:solidFill>
-                <a:latin typeface="Glacial Indifference"/>
-                <a:ea typeface="Glacial Indifference"/>
-                <a:cs typeface="Glacial Indifference"/>
-                <a:sym typeface="Glacial Indifference"/>
-              </a:rPr>
-              <a:t>around 500,000 Euro. Almost no price values over 2,000,000 Euro.</a:t>
+              <a:t>Very clear maximum of value density around 500,000 Euro. Almost no price values over 2,000,000 Euro.</a:t>
             </a:r>
           </a:p>
         </p:txBody>
